--- a/Slides/040824.pptx
+++ b/Slides/040824.pptx
@@ -1224,10 +1224,10 @@
           </a:ln>
           <a:extLst>
             <a:ext uri="{FAA26D3D-D897-4be2-8F04-BA451C77F1D7}">
-              <ma14:placeholderFlag xmlns:ma14="http://schemas.microsoft.com/office/mac/drawingml/2011/main" xmlns="" val="1"/>
+              <ma14:placeholderFlag xmlns="" xmlns:ma14="http://schemas.microsoft.com/office/mac/drawingml/2011/main" val="1"/>
             </a:ext>
             <a:ext uri="{909E8E84-426E-40dd-AFC4-6F175D3DCCD1}">
-              <a14:hiddenFill xmlns:a14="http://schemas.microsoft.com/office/drawing/2010/main" xmlns="">
+              <a14:hiddenFill xmlns="" xmlns:a14="http://schemas.microsoft.com/office/drawing/2010/main">
                 <a:solidFill>
                   <a:srgbClr val="FFFFFF"/>
                 </a:solidFill>
@@ -1402,14 +1402,14 @@
           <a:ln/>
           <a:extLst>
             <a:ext uri="{909E8E84-426E-40dd-AFC4-6F175D3DCCD1}">
-              <a14:hiddenFill xmlns:a14="http://schemas.microsoft.com/office/drawing/2010/main" xmlns="">
+              <a14:hiddenFill xmlns="" xmlns:a14="http://schemas.microsoft.com/office/drawing/2010/main">
                 <a:solidFill>
                   <a:srgbClr val="FFFFFF"/>
                 </a:solidFill>
               </a14:hiddenFill>
             </a:ext>
             <a:ext uri="{91240B29-F687-4f45-9708-019B960494DF}">
-              <a14:hiddenLine xmlns:a14="http://schemas.microsoft.com/office/drawing/2010/main" xmlns="" w="9525">
+              <a14:hiddenLine xmlns="" xmlns:a14="http://schemas.microsoft.com/office/drawing/2010/main" w="9525">
                 <a:solidFill>
                   <a:srgbClr val="000000"/>
                 </a:solidFill>
@@ -1577,17 +1577,17 @@
           <a:ln/>
           <a:extLst>
             <a:ext uri="{FAA26D3D-D897-4be2-8F04-BA451C77F1D7}">
-              <ma14:placeholderFlag xmlns:ma14="http://schemas.microsoft.com/office/mac/drawingml/2011/main" xmlns="" val="1"/>
+              <ma14:placeholderFlag xmlns="" xmlns:ma14="http://schemas.microsoft.com/office/mac/drawingml/2011/main" val="1"/>
             </a:ext>
             <a:ext uri="{909E8E84-426E-40dd-AFC4-6F175D3DCCD1}">
-              <a14:hiddenFill xmlns:a14="http://schemas.microsoft.com/office/drawing/2010/main" xmlns="">
+              <a14:hiddenFill xmlns="" xmlns:a14="http://schemas.microsoft.com/office/drawing/2010/main">
                 <a:solidFill>
                   <a:srgbClr val="FFFFFF"/>
                 </a:solidFill>
               </a14:hiddenFill>
             </a:ext>
             <a:ext uri="{91240B29-F687-4f45-9708-019B960494DF}">
-              <a14:hiddenLine xmlns:a14="http://schemas.microsoft.com/office/drawing/2010/main" xmlns="" w="9525">
+              <a14:hiddenLine xmlns="" xmlns:a14="http://schemas.microsoft.com/office/drawing/2010/main" w="9525">
                 <a:solidFill>
                   <a:srgbClr val="000000"/>
                 </a:solidFill>
@@ -7304,17 +7304,17 @@
           </a:ln>
           <a:extLst>
             <a:ext uri="{FAA26D3D-D897-4be2-8F04-BA451C77F1D7}">
-              <ma14:placeholderFlag xmlns:ma14="http://schemas.microsoft.com/office/mac/drawingml/2011/main" xmlns="" val="1"/>
+              <ma14:placeholderFlag xmlns="" xmlns:ma14="http://schemas.microsoft.com/office/mac/drawingml/2011/main" val="1"/>
             </a:ext>
             <a:ext uri="{909E8E84-426E-40dd-AFC4-6F175D3DCCD1}">
-              <a14:hiddenFill xmlns:a14="http://schemas.microsoft.com/office/drawing/2010/main" xmlns="">
+              <a14:hiddenFill xmlns="" xmlns:a14="http://schemas.microsoft.com/office/drawing/2010/main">
                 <a:solidFill>
                   <a:srgbClr val="FFFFFF"/>
                 </a:solidFill>
               </a14:hiddenFill>
             </a:ext>
             <a:ext uri="{91240B29-F687-4f45-9708-019B960494DF}">
-              <a14:hiddenLine xmlns:a14="http://schemas.microsoft.com/office/drawing/2010/main" xmlns="" w="9525">
+              <a14:hiddenLine xmlns="" xmlns:a14="http://schemas.microsoft.com/office/drawing/2010/main" w="9525">
                 <a:solidFill>
                   <a:srgbClr val="000000"/>
                 </a:solidFill>
@@ -22582,6 +22582,20 @@
         <p:txBody>
           <a:bodyPr/>
           <a:lstStyle/>
+          <a:p>
+            <a:r>
+              <a:rPr lang="en-US" dirty="0">
+                <a:solidFill>
+                  <a:srgbClr val="0000FF"/>
+                </a:solidFill>
+              </a:rPr>
+              <a:t>No office hours today</a:t>
+            </a:r>
+            <a:endParaRPr lang="en-US" dirty="0"/>
+          </a:p>
+          <a:p>
+            <a:endParaRPr lang="en-US" dirty="0"/>
+          </a:p>
           <a:p>
             <a:r>
               <a:rPr lang="en-US" dirty="0"/>
@@ -25678,7 +25692,7 @@
     <mc:Choice Requires="p14">
       <p:transition spd="slow" p14:dur="2000" advTm="108963"/>
     </mc:Choice>
-    <mc:Fallback xmlns:mv="urn:schemas-microsoft-com:mac:vml" xmlns="">
+    <mc:Fallback xmlns="" xmlns:mv="urn:schemas-microsoft-com:mac:vml">
       <mp:transition xmlns:mp="http://schemas.microsoft.com/office/mac/powerpoint/2008/main" spd="slow" advTm="108963"/>
     </mc:Fallback>
   </mc:AlternateContent>
@@ -26715,7 +26729,7 @@
     <mc:Choice Requires="p14">
       <p:transition spd="slow" p14:dur="2000" advTm="108963"/>
     </mc:Choice>
-    <mc:Fallback xmlns:mv="urn:schemas-microsoft-com:mac:vml" xmlns="">
+    <mc:Fallback xmlns="" xmlns:mv="urn:schemas-microsoft-com:mac:vml">
       <mp:transition xmlns:mp="http://schemas.microsoft.com/office/mac/powerpoint/2008/main" spd="slow" advTm="108963"/>
     </mc:Fallback>
   </mc:AlternateContent>
@@ -44769,6 +44783,16 @@
                 <a:srgbClr val="0000FF"/>
               </a:solidFill>
             </a:endParaRPr>
+          </a:p>
+          <a:p>
+            <a:r>
+              <a:rPr lang="en-US" dirty="0">
+                <a:solidFill>
+                  <a:srgbClr val="0000FF"/>
+                </a:solidFill>
+              </a:rPr>
+              <a:t>No class this Wednesday (April 10, 2024)</a:t>
+            </a:r>
           </a:p>
           <a:p>
             <a:r>
